--- a/吴倩倩.pptx
+++ b/吴倩倩.pptx
@@ -12576,7 +12576,7 @@
       </p:sp>
       <p:pic>
         <p:nvPicPr>
-          <p:cNvPr id="6" name="图片 5"/>
+          <p:cNvPr id="7" name="图片 6"/>
           <p:cNvPicPr>
             <a:picLocks noChangeAspect="1"/>
           </p:cNvPicPr>
@@ -12590,17 +12590,75 @@
         </p:blipFill>
         <p:spPr>
           <a:xfrm>
-            <a:off x="616585" y="2566035"/>
-            <a:ext cx="5305425" cy="2076450"/>
+            <a:off x="6248400" y="2538730"/>
+            <a:ext cx="5410835" cy="1764030"/>
           </a:xfrm>
           <a:prstGeom prst="rect">
             <a:avLst/>
           </a:prstGeom>
         </p:spPr>
       </p:pic>
+      <p:sp>
+        <p:nvSpPr>
+          <p:cNvPr id="8" name="文本框 7"/>
+          <p:cNvSpPr txBox="1"/>
+          <p:nvPr/>
+        </p:nvSpPr>
+        <p:spPr>
+          <a:xfrm>
+            <a:off x="2425700" y="4740275"/>
+            <a:ext cx="1350010" cy="368300"/>
+          </a:xfrm>
+          <a:prstGeom prst="rect">
+            <a:avLst/>
+          </a:prstGeom>
+          <a:noFill/>
+        </p:spPr>
+        <p:txBody>
+          <a:bodyPr wrap="square" rtlCol="0">
+            <a:spAutoFit/>
+          </a:bodyPr>
+          <a:p>
+            <a:r>
+              <a:rPr lang="zh-CN" altLang="en-US"/>
+              <a:t>登录用例图</a:t>
+            </a:r>
+            <a:endParaRPr lang="zh-CN" altLang="en-US"/>
+          </a:p>
+        </p:txBody>
+      </p:sp>
+      <p:sp>
+        <p:nvSpPr>
+          <p:cNvPr id="9" name="文本框 8"/>
+          <p:cNvSpPr txBox="1"/>
+          <p:nvPr/>
+        </p:nvSpPr>
+        <p:spPr>
+          <a:xfrm>
+            <a:off x="7634605" y="4740275"/>
+            <a:ext cx="2312670" cy="368300"/>
+          </a:xfrm>
+          <a:prstGeom prst="rect">
+            <a:avLst/>
+          </a:prstGeom>
+          <a:noFill/>
+        </p:spPr>
+        <p:txBody>
+          <a:bodyPr wrap="square" rtlCol="0">
+            <a:spAutoFit/>
+          </a:bodyPr>
+          <a:p>
+            <a:r>
+              <a:rPr lang="zh-CN" altLang="en-US"/>
+              <a:t>查找学生信息用例图</a:t>
+            </a:r>
+            <a:endParaRPr lang="zh-CN" altLang="en-US"/>
+          </a:p>
+        </p:txBody>
+      </p:sp>
       <p:pic>
         <p:nvPicPr>
-          <p:cNvPr id="7" name="图片 6"/>
+          <p:cNvPr id="3" name="图片 2" descr="})@_R2KU(Z}}MGVT@T84OFL"/>
           <p:cNvPicPr>
             <a:picLocks noChangeAspect="1"/>
           </p:cNvPicPr>
@@ -12614,72 +12672,14 @@
         </p:blipFill>
         <p:spPr>
           <a:xfrm>
-            <a:off x="6085205" y="2566035"/>
-            <a:ext cx="5410835" cy="1489710"/>
+            <a:off x="322580" y="2538730"/>
+            <a:ext cx="5521960" cy="1706880"/>
           </a:xfrm>
           <a:prstGeom prst="rect">
             <a:avLst/>
           </a:prstGeom>
         </p:spPr>
       </p:pic>
-      <p:sp>
-        <p:nvSpPr>
-          <p:cNvPr id="8" name="文本框 7"/>
-          <p:cNvSpPr txBox="1"/>
-          <p:nvPr/>
-        </p:nvSpPr>
-        <p:spPr>
-          <a:xfrm>
-            <a:off x="2425700" y="4740275"/>
-            <a:ext cx="1350010" cy="368300"/>
-          </a:xfrm>
-          <a:prstGeom prst="rect">
-            <a:avLst/>
-          </a:prstGeom>
-          <a:noFill/>
-        </p:spPr>
-        <p:txBody>
-          <a:bodyPr wrap="square" rtlCol="0">
-            <a:spAutoFit/>
-          </a:bodyPr>
-          <a:p>
-            <a:r>
-              <a:rPr lang="zh-CN" altLang="en-US"/>
-              <a:t>登录用例图</a:t>
-            </a:r>
-            <a:endParaRPr lang="zh-CN" altLang="en-US"/>
-          </a:p>
-        </p:txBody>
-      </p:sp>
-      <p:sp>
-        <p:nvSpPr>
-          <p:cNvPr id="9" name="文本框 8"/>
-          <p:cNvSpPr txBox="1"/>
-          <p:nvPr/>
-        </p:nvSpPr>
-        <p:spPr>
-          <a:xfrm>
-            <a:off x="7634605" y="4740275"/>
-            <a:ext cx="2312670" cy="368300"/>
-          </a:xfrm>
-          <a:prstGeom prst="rect">
-            <a:avLst/>
-          </a:prstGeom>
-          <a:noFill/>
-        </p:spPr>
-        <p:txBody>
-          <a:bodyPr wrap="square" rtlCol="0">
-            <a:spAutoFit/>
-          </a:bodyPr>
-          <a:p>
-            <a:r>
-              <a:rPr lang="zh-CN" altLang="en-US"/>
-              <a:t>查找学生信息用例图</a:t>
-            </a:r>
-            <a:endParaRPr lang="zh-CN" altLang="en-US"/>
-          </a:p>
-        </p:txBody>
-      </p:sp>
     </p:spTree>
   </p:cSld>
   <p:clrMapOvr>
